--- a/Disparity/output/shape_data/FourPlotPCA_shapes.pptx
+++ b/Disparity/output/shape_data/FourPlotPCA_shapes.pptx
@@ -4249,7 +4249,7 @@
         </p:nvSpPr>
         <p:spPr>
           <a:xfrm>
-            <a:off x="0" y="0"/>
+            <a:off x="-36512" y="0"/>
             <a:ext cx="9144000" cy="6957392"/>
           </a:xfrm>
           <a:prstGeom prst="rect">
